--- a/Project.pptx
+++ b/Project.pptx
@@ -107,6 +107,11 @@
       </a:defRPr>
     </a:lvl9pPr>
   </p:defaultTextStyle>
+  <p:extLst>
+    <p:ext uri="{EFAFB233-063F-42B5-8137-9DF3F51BA10A}">
+      <p15:sldGuideLst xmlns:p15="http://schemas.microsoft.com/office/powerpoint/2012/main"/>
+    </p:ext>
+  </p:extLst>
 </p:presentation>
 </file>
 
@@ -259,7 +264,7 @@
           <a:p>
             <a:fld id="{D0129D56-407D-4048-A1BE-66EAC043A61A}" type="datetimeFigureOut">
               <a:rPr lang="es-CO" smtClean="0"/>
-              <a:t>6/05/2025</a:t>
+              <a:t>7/05/2025</a:t>
             </a:fld>
             <a:endParaRPr lang="es-CO"/>
           </a:p>
@@ -459,7 +464,7 @@
           <a:p>
             <a:fld id="{D0129D56-407D-4048-A1BE-66EAC043A61A}" type="datetimeFigureOut">
               <a:rPr lang="es-CO" smtClean="0"/>
-              <a:t>6/05/2025</a:t>
+              <a:t>7/05/2025</a:t>
             </a:fld>
             <a:endParaRPr lang="es-CO"/>
           </a:p>
@@ -669,7 +674,7 @@
           <a:p>
             <a:fld id="{D0129D56-407D-4048-A1BE-66EAC043A61A}" type="datetimeFigureOut">
               <a:rPr lang="es-CO" smtClean="0"/>
-              <a:t>6/05/2025</a:t>
+              <a:t>7/05/2025</a:t>
             </a:fld>
             <a:endParaRPr lang="es-CO"/>
           </a:p>
@@ -869,7 +874,7 @@
           <a:p>
             <a:fld id="{D0129D56-407D-4048-A1BE-66EAC043A61A}" type="datetimeFigureOut">
               <a:rPr lang="es-CO" smtClean="0"/>
-              <a:t>6/05/2025</a:t>
+              <a:t>7/05/2025</a:t>
             </a:fld>
             <a:endParaRPr lang="es-CO"/>
           </a:p>
@@ -1145,7 +1150,7 @@
           <a:p>
             <a:fld id="{D0129D56-407D-4048-A1BE-66EAC043A61A}" type="datetimeFigureOut">
               <a:rPr lang="es-CO" smtClean="0"/>
-              <a:t>6/05/2025</a:t>
+              <a:t>7/05/2025</a:t>
             </a:fld>
             <a:endParaRPr lang="es-CO"/>
           </a:p>
@@ -1413,7 +1418,7 @@
           <a:p>
             <a:fld id="{D0129D56-407D-4048-A1BE-66EAC043A61A}" type="datetimeFigureOut">
               <a:rPr lang="es-CO" smtClean="0"/>
-              <a:t>6/05/2025</a:t>
+              <a:t>7/05/2025</a:t>
             </a:fld>
             <a:endParaRPr lang="es-CO"/>
           </a:p>
@@ -1828,7 +1833,7 @@
           <a:p>
             <a:fld id="{D0129D56-407D-4048-A1BE-66EAC043A61A}" type="datetimeFigureOut">
               <a:rPr lang="es-CO" smtClean="0"/>
-              <a:t>6/05/2025</a:t>
+              <a:t>7/05/2025</a:t>
             </a:fld>
             <a:endParaRPr lang="es-CO"/>
           </a:p>
@@ -1970,7 +1975,7 @@
           <a:p>
             <a:fld id="{D0129D56-407D-4048-A1BE-66EAC043A61A}" type="datetimeFigureOut">
               <a:rPr lang="es-CO" smtClean="0"/>
-              <a:t>6/05/2025</a:t>
+              <a:t>7/05/2025</a:t>
             </a:fld>
             <a:endParaRPr lang="es-CO"/>
           </a:p>
@@ -2083,7 +2088,7 @@
           <a:p>
             <a:fld id="{D0129D56-407D-4048-A1BE-66EAC043A61A}" type="datetimeFigureOut">
               <a:rPr lang="es-CO" smtClean="0"/>
-              <a:t>6/05/2025</a:t>
+              <a:t>7/05/2025</a:t>
             </a:fld>
             <a:endParaRPr lang="es-CO"/>
           </a:p>
@@ -2396,7 +2401,7 @@
           <a:p>
             <a:fld id="{D0129D56-407D-4048-A1BE-66EAC043A61A}" type="datetimeFigureOut">
               <a:rPr lang="es-CO" smtClean="0"/>
-              <a:t>6/05/2025</a:t>
+              <a:t>7/05/2025</a:t>
             </a:fld>
             <a:endParaRPr lang="es-CO"/>
           </a:p>
@@ -2685,7 +2690,7 @@
           <a:p>
             <a:fld id="{D0129D56-407D-4048-A1BE-66EAC043A61A}" type="datetimeFigureOut">
               <a:rPr lang="es-CO" smtClean="0"/>
-              <a:t>6/05/2025</a:t>
+              <a:t>7/05/2025</a:t>
             </a:fld>
             <a:endParaRPr lang="es-CO"/>
           </a:p>
@@ -2928,7 +2933,7 @@
           <a:p>
             <a:fld id="{D0129D56-407D-4048-A1BE-66EAC043A61A}" type="datetimeFigureOut">
               <a:rPr lang="es-CO" smtClean="0"/>
-              <a:t>6/05/2025</a:t>
+              <a:t>7/05/2025</a:t>
             </a:fld>
             <a:endParaRPr lang="es-CO"/>
           </a:p>
@@ -3674,8 +3679,8 @@
         </p:blipFill>
         <p:spPr bwMode="auto">
           <a:xfrm>
-            <a:off x="7576458" y="1070660"/>
-            <a:ext cx="3501435" cy="5380400"/>
+            <a:off x="7315202" y="1142999"/>
+            <a:ext cx="3433106" cy="5275403"/>
           </a:xfrm>
           <a:prstGeom prst="rect">
             <a:avLst/>
@@ -3721,8 +3726,8 @@
         </p:blipFill>
         <p:spPr bwMode="auto">
           <a:xfrm>
-            <a:off x="598714" y="1575787"/>
-            <a:ext cx="6640286" cy="4488833"/>
+            <a:off x="552570" y="2384408"/>
+            <a:ext cx="5967448" cy="4033994"/>
           </a:xfrm>
           <a:prstGeom prst="rect">
             <a:avLst/>
@@ -3739,6 +3744,379 @@
           </a:extLst>
         </p:spPr>
       </p:pic>
+      <p:sp>
+        <p:nvSpPr>
+          <p:cNvPr id="2" name="Google Shape;49;p15">
+            <a:extLst>
+              <a:ext uri="{FF2B5EF4-FFF2-40B4-BE49-F238E27FC236}">
+                <a16:creationId xmlns:a16="http://schemas.microsoft.com/office/drawing/2014/main" id="{55061B8D-5DA8-B8F1-B085-4424EA73E10B}"/>
+              </a:ext>
+            </a:extLst>
+          </p:cNvPr>
+          <p:cNvSpPr txBox="1">
+            <a:spLocks/>
+          </p:cNvSpPr>
+          <p:nvPr/>
+        </p:nvSpPr>
+        <p:spPr>
+          <a:xfrm>
+            <a:off x="460965" y="1349829"/>
+            <a:ext cx="4644435" cy="1034579"/>
+          </a:xfrm>
+          <a:prstGeom prst="rect">
+            <a:avLst/>
+          </a:prstGeom>
+          <a:noFill/>
+          <a:ln>
+            <a:noFill/>
+          </a:ln>
+        </p:spPr>
+        <p:txBody>
+          <a:bodyPr spcFirstLastPara="1" wrap="square" lIns="91425" tIns="91425" rIns="91425" bIns="91425" anchor="b" anchorCtr="0">
+            <a:noAutofit/>
+          </a:bodyPr>
+          <a:lstStyle>
+            <a:defPPr marR="0" lvl="0" algn="l" rtl="0">
+              <a:lnSpc>
+                <a:spcPct val="100000"/>
+              </a:lnSpc>
+              <a:spcBef>
+                <a:spcPts val="0"/>
+              </a:spcBef>
+              <a:spcAft>
+                <a:spcPts val="0"/>
+              </a:spcAft>
+            </a:defPPr>
+            <a:lvl1pPr marR="0" lvl="0" algn="l" rtl="0">
+              <a:lnSpc>
+                <a:spcPct val="90000"/>
+              </a:lnSpc>
+              <a:spcBef>
+                <a:spcPts val="0"/>
+              </a:spcBef>
+              <a:spcAft>
+                <a:spcPts val="0"/>
+              </a:spcAft>
+              <a:buClr>
+                <a:schemeClr val="dk1"/>
+              </a:buClr>
+              <a:buSzPts val="5200"/>
+              <a:buFont typeface="Montserrat"/>
+              <a:buNone/>
+              <a:defRPr sz="5000" b="1" i="0" u="none" strike="noStrike" cap="none">
+                <a:solidFill>
+                  <a:schemeClr val="dk1"/>
+                </a:solidFill>
+                <a:latin typeface="Montserrat"/>
+                <a:ea typeface="Montserrat"/>
+                <a:cs typeface="Montserrat"/>
+                <a:sym typeface="Montserrat"/>
+              </a:defRPr>
+            </a:lvl1pPr>
+            <a:lvl2pPr marR="0" lvl="1" algn="ctr" rtl="0">
+              <a:lnSpc>
+                <a:spcPct val="100000"/>
+              </a:lnSpc>
+              <a:spcBef>
+                <a:spcPts val="0"/>
+              </a:spcBef>
+              <a:spcAft>
+                <a:spcPts val="0"/>
+              </a:spcAft>
+              <a:buClr>
+                <a:schemeClr val="dk1"/>
+              </a:buClr>
+              <a:buSzPts val="5200"/>
+              <a:buFont typeface="Montserrat"/>
+              <a:buNone/>
+              <a:defRPr sz="5200" b="1" i="0" u="none" strike="noStrike" cap="none">
+                <a:solidFill>
+                  <a:schemeClr val="dk1"/>
+                </a:solidFill>
+                <a:latin typeface="Montserrat"/>
+                <a:ea typeface="Montserrat"/>
+                <a:cs typeface="Montserrat"/>
+                <a:sym typeface="Montserrat"/>
+              </a:defRPr>
+            </a:lvl2pPr>
+            <a:lvl3pPr marR="0" lvl="2" algn="ctr" rtl="0">
+              <a:lnSpc>
+                <a:spcPct val="100000"/>
+              </a:lnSpc>
+              <a:spcBef>
+                <a:spcPts val="0"/>
+              </a:spcBef>
+              <a:spcAft>
+                <a:spcPts val="0"/>
+              </a:spcAft>
+              <a:buClr>
+                <a:schemeClr val="dk1"/>
+              </a:buClr>
+              <a:buSzPts val="5200"/>
+              <a:buFont typeface="Montserrat"/>
+              <a:buNone/>
+              <a:defRPr sz="5200" b="1" i="0" u="none" strike="noStrike" cap="none">
+                <a:solidFill>
+                  <a:schemeClr val="dk1"/>
+                </a:solidFill>
+                <a:latin typeface="Montserrat"/>
+                <a:ea typeface="Montserrat"/>
+                <a:cs typeface="Montserrat"/>
+                <a:sym typeface="Montserrat"/>
+              </a:defRPr>
+            </a:lvl3pPr>
+            <a:lvl4pPr marR="0" lvl="3" algn="ctr" rtl="0">
+              <a:lnSpc>
+                <a:spcPct val="100000"/>
+              </a:lnSpc>
+              <a:spcBef>
+                <a:spcPts val="0"/>
+              </a:spcBef>
+              <a:spcAft>
+                <a:spcPts val="0"/>
+              </a:spcAft>
+              <a:buClr>
+                <a:schemeClr val="dk1"/>
+              </a:buClr>
+              <a:buSzPts val="5200"/>
+              <a:buFont typeface="Montserrat"/>
+              <a:buNone/>
+              <a:defRPr sz="5200" b="1" i="0" u="none" strike="noStrike" cap="none">
+                <a:solidFill>
+                  <a:schemeClr val="dk1"/>
+                </a:solidFill>
+                <a:latin typeface="Montserrat"/>
+                <a:ea typeface="Montserrat"/>
+                <a:cs typeface="Montserrat"/>
+                <a:sym typeface="Montserrat"/>
+              </a:defRPr>
+            </a:lvl4pPr>
+            <a:lvl5pPr marR="0" lvl="4" algn="ctr" rtl="0">
+              <a:lnSpc>
+                <a:spcPct val="100000"/>
+              </a:lnSpc>
+              <a:spcBef>
+                <a:spcPts val="0"/>
+              </a:spcBef>
+              <a:spcAft>
+                <a:spcPts val="0"/>
+              </a:spcAft>
+              <a:buClr>
+                <a:schemeClr val="dk1"/>
+              </a:buClr>
+              <a:buSzPts val="5200"/>
+              <a:buFont typeface="Montserrat"/>
+              <a:buNone/>
+              <a:defRPr sz="5200" b="1" i="0" u="none" strike="noStrike" cap="none">
+                <a:solidFill>
+                  <a:schemeClr val="dk1"/>
+                </a:solidFill>
+                <a:latin typeface="Montserrat"/>
+                <a:ea typeface="Montserrat"/>
+                <a:cs typeface="Montserrat"/>
+                <a:sym typeface="Montserrat"/>
+              </a:defRPr>
+            </a:lvl5pPr>
+            <a:lvl6pPr marR="0" lvl="5" algn="ctr" rtl="0">
+              <a:lnSpc>
+                <a:spcPct val="100000"/>
+              </a:lnSpc>
+              <a:spcBef>
+                <a:spcPts val="0"/>
+              </a:spcBef>
+              <a:spcAft>
+                <a:spcPts val="0"/>
+              </a:spcAft>
+              <a:buClr>
+                <a:schemeClr val="dk1"/>
+              </a:buClr>
+              <a:buSzPts val="5200"/>
+              <a:buFont typeface="Montserrat"/>
+              <a:buNone/>
+              <a:defRPr sz="5200" b="1" i="0" u="none" strike="noStrike" cap="none">
+                <a:solidFill>
+                  <a:schemeClr val="dk1"/>
+                </a:solidFill>
+                <a:latin typeface="Montserrat"/>
+                <a:ea typeface="Montserrat"/>
+                <a:cs typeface="Montserrat"/>
+                <a:sym typeface="Montserrat"/>
+              </a:defRPr>
+            </a:lvl6pPr>
+            <a:lvl7pPr marR="0" lvl="6" algn="ctr" rtl="0">
+              <a:lnSpc>
+                <a:spcPct val="100000"/>
+              </a:lnSpc>
+              <a:spcBef>
+                <a:spcPts val="0"/>
+              </a:spcBef>
+              <a:spcAft>
+                <a:spcPts val="0"/>
+              </a:spcAft>
+              <a:buClr>
+                <a:schemeClr val="dk1"/>
+              </a:buClr>
+              <a:buSzPts val="5200"/>
+              <a:buFont typeface="Montserrat"/>
+              <a:buNone/>
+              <a:defRPr sz="5200" b="1" i="0" u="none" strike="noStrike" cap="none">
+                <a:solidFill>
+                  <a:schemeClr val="dk1"/>
+                </a:solidFill>
+                <a:latin typeface="Montserrat"/>
+                <a:ea typeface="Montserrat"/>
+                <a:cs typeface="Montserrat"/>
+                <a:sym typeface="Montserrat"/>
+              </a:defRPr>
+            </a:lvl7pPr>
+            <a:lvl8pPr marR="0" lvl="7" algn="ctr" rtl="0">
+              <a:lnSpc>
+                <a:spcPct val="100000"/>
+              </a:lnSpc>
+              <a:spcBef>
+                <a:spcPts val="0"/>
+              </a:spcBef>
+              <a:spcAft>
+                <a:spcPts val="0"/>
+              </a:spcAft>
+              <a:buClr>
+                <a:schemeClr val="dk1"/>
+              </a:buClr>
+              <a:buSzPts val="5200"/>
+              <a:buFont typeface="Montserrat"/>
+              <a:buNone/>
+              <a:defRPr sz="5200" b="1" i="0" u="none" strike="noStrike" cap="none">
+                <a:solidFill>
+                  <a:schemeClr val="dk1"/>
+                </a:solidFill>
+                <a:latin typeface="Montserrat"/>
+                <a:ea typeface="Montserrat"/>
+                <a:cs typeface="Montserrat"/>
+                <a:sym typeface="Montserrat"/>
+              </a:defRPr>
+            </a:lvl8pPr>
+            <a:lvl9pPr marR="0" lvl="8" algn="ctr" rtl="0">
+              <a:lnSpc>
+                <a:spcPct val="100000"/>
+              </a:lnSpc>
+              <a:spcBef>
+                <a:spcPts val="0"/>
+              </a:spcBef>
+              <a:spcAft>
+                <a:spcPts val="0"/>
+              </a:spcAft>
+              <a:buClr>
+                <a:schemeClr val="dk1"/>
+              </a:buClr>
+              <a:buSzPts val="5200"/>
+              <a:buFont typeface="Montserrat"/>
+              <a:buNone/>
+              <a:defRPr sz="5200" b="1" i="0" u="none" strike="noStrike" cap="none">
+                <a:solidFill>
+                  <a:schemeClr val="dk1"/>
+                </a:solidFill>
+                <a:latin typeface="Montserrat"/>
+                <a:ea typeface="Montserrat"/>
+                <a:cs typeface="Montserrat"/>
+                <a:sym typeface="Montserrat"/>
+              </a:defRPr>
+            </a:lvl9pPr>
+          </a:lstStyle>
+          <a:p>
+            <a:pPr>
+              <a:buClr>
+                <a:srgbClr val="000000"/>
+              </a:buClr>
+              <a:defRPr/>
+            </a:pPr>
+            <a:r>
+              <a:rPr lang="en-US" sz="1800" b="0" kern="0" dirty="0">
+                <a:solidFill>
+                  <a:schemeClr val="tx1">
+                    <a:lumMod val="75000"/>
+                    <a:lumOff val="25000"/>
+                  </a:schemeClr>
+                </a:solidFill>
+              </a:rPr>
+              <a:t>Valentina Cardona Velásquez</a:t>
+            </a:r>
+          </a:p>
+          <a:p>
+            <a:pPr>
+              <a:buClr>
+                <a:srgbClr val="000000"/>
+              </a:buClr>
+              <a:defRPr/>
+            </a:pPr>
+            <a:r>
+              <a:rPr lang="en-US" sz="1800" b="0" kern="0" dirty="0" err="1">
+                <a:solidFill>
+                  <a:schemeClr val="tx1">
+                    <a:lumMod val="75000"/>
+                    <a:lumOff val="25000"/>
+                  </a:schemeClr>
+                </a:solidFill>
+              </a:rPr>
+              <a:t>Curso</a:t>
+            </a:r>
+            <a:r>
+              <a:rPr lang="en-US" sz="1800" b="0" kern="0" dirty="0">
+                <a:solidFill>
+                  <a:schemeClr val="tx1">
+                    <a:lumMod val="75000"/>
+                    <a:lumOff val="25000"/>
+                  </a:schemeClr>
+                </a:solidFill>
+              </a:rPr>
+              <a:t> </a:t>
+            </a:r>
+            <a:r>
+              <a:rPr lang="en-US" sz="1800" b="0" kern="0" dirty="0" err="1">
+                <a:solidFill>
+                  <a:schemeClr val="tx1">
+                    <a:lumMod val="75000"/>
+                    <a:lumOff val="25000"/>
+                  </a:schemeClr>
+                </a:solidFill>
+              </a:rPr>
+              <a:t>Análisis</a:t>
+            </a:r>
+            <a:r>
+              <a:rPr lang="en-US" sz="1800" b="0" kern="0" dirty="0">
+                <a:solidFill>
+                  <a:schemeClr val="tx1">
+                    <a:lumMod val="75000"/>
+                    <a:lumOff val="25000"/>
+                  </a:schemeClr>
+                </a:solidFill>
+              </a:rPr>
+              <a:t> </a:t>
+            </a:r>
+            <a:r>
+              <a:rPr lang="en-US" sz="1800" b="0" kern="0" dirty="0" err="1">
+                <a:solidFill>
+                  <a:schemeClr val="tx1">
+                    <a:lumMod val="75000"/>
+                    <a:lumOff val="25000"/>
+                  </a:schemeClr>
+                </a:solidFill>
+              </a:rPr>
+              <a:t>Geoespacial</a:t>
+            </a:r>
+            <a:r>
+              <a:rPr lang="en-US" sz="1800" b="0" kern="0" dirty="0">
+                <a:solidFill>
+                  <a:schemeClr val="tx1">
+                    <a:lumMod val="75000"/>
+                    <a:lumOff val="25000"/>
+                  </a:schemeClr>
+                </a:solidFill>
+              </a:rPr>
+              <a:t> 2025-1S</a:t>
+            </a:r>
+          </a:p>
+        </p:txBody>
+      </p:sp>
     </p:spTree>
     <p:extLst>
       <p:ext uri="{BB962C8B-B14F-4D97-AF65-F5344CB8AC3E}">
@@ -4646,7 +5024,7 @@
         </p:nvSpPr>
         <p:spPr>
           <a:xfrm>
-            <a:off x="1660276" y="4659551"/>
+            <a:off x="1442562" y="4735751"/>
             <a:ext cx="9793378" cy="1200329"/>
           </a:xfrm>
           <a:prstGeom prst="rect">
@@ -4671,7 +5049,7 @@
             <a:pPr algn="l" rtl="0"/>
             <a:r>
               <a:rPr lang="es-CO" sz="2400" b="1" dirty="0"/>
-              <a:t>Se requiere un enfoque técnico que permita identificar zonas óptimas para su establecimiento, considerando tanto las condiciones actuales como escenarios futuros de cambio climático.</a:t>
+              <a:t>Se requiere identificar zonas óptimas para el establecimiento de Balso en Colombia, considerando tanto condiciones actuales como escenarios futuros de cambio climático.</a:t>
             </a:r>
             <a:endParaRPr lang="es-CO" sz="2400" b="1" dirty="0">
               <a:effectLst/>
